--- a/_posts/VCS入门/VCS入门.pptx
+++ b/_posts/VCS入门/VCS入门.pptx
@@ -6,6 +6,7 @@
   </p:sldMasterIdLst>
   <p:sldIdLst>
     <p:sldId id="256" r:id="rId2"/>
+    <p:sldId id="257" r:id="rId3"/>
   </p:sldIdLst>
   <p:sldSz cx="12192000" cy="6858000"/>
   <p:notesSz cx="6858000" cy="9144000"/>
@@ -104,6 +105,11 @@
       </a:defRPr>
     </a:lvl9pPr>
   </p:defaultTextStyle>
+  <p:extLst>
+    <p:ext uri="{EFAFB233-063F-42B5-8137-9DF3F51BA10A}">
+      <p15:sldGuideLst xmlns:p15="http://schemas.microsoft.com/office/powerpoint/2012/main"/>
+    </p:ext>
+  </p:extLst>
 </p:presentation>
 </file>
 
@@ -3765,6 +3771,278 @@
 </p:sld>
 </file>
 
+<file path=ppt/slides/slide2.xml><?xml version="1.0" encoding="utf-8"?>
+<p:sld xmlns:a="http://schemas.openxmlformats.org/drawingml/2006/main" xmlns:r="http://schemas.openxmlformats.org/officeDocument/2006/relationships" xmlns:p="http://schemas.openxmlformats.org/presentationml/2006/main">
+  <p:cSld>
+    <p:spTree>
+      <p:nvGrpSpPr>
+        <p:cNvPr id="1" name=""/>
+        <p:cNvGrpSpPr/>
+        <p:nvPr/>
+      </p:nvGrpSpPr>
+      <p:grpSpPr>
+        <a:xfrm>
+          <a:off x="0" y="0"/>
+          <a:ext cx="0" cy="0"/>
+          <a:chOff x="0" y="0"/>
+          <a:chExt cx="0" cy="0"/>
+        </a:xfrm>
+      </p:grpSpPr>
+      <p:sp>
+        <p:nvSpPr>
+          <p:cNvPr id="5" name="矩形: 圆角 4">
+            <a:extLst>
+              <a:ext uri="{FF2B5EF4-FFF2-40B4-BE49-F238E27FC236}">
+                <a16:creationId xmlns:a16="http://schemas.microsoft.com/office/drawing/2014/main" id="{70FDBAD8-1270-4917-B9E1-C4F19A12E657}"/>
+              </a:ext>
+            </a:extLst>
+          </p:cNvPr>
+          <p:cNvSpPr/>
+          <p:nvPr/>
+        </p:nvSpPr>
+        <p:spPr>
+          <a:xfrm>
+            <a:off x="1721141" y="2640435"/>
+            <a:ext cx="2533476" cy="1577130"/>
+          </a:xfrm>
+          <a:prstGeom prst="roundRect">
+            <a:avLst/>
+          </a:prstGeom>
+        </p:spPr>
+        <p:style>
+          <a:lnRef idx="2">
+            <a:schemeClr val="accent1">
+              <a:shade val="50000"/>
+            </a:schemeClr>
+          </a:lnRef>
+          <a:fillRef idx="1">
+            <a:schemeClr val="accent1"/>
+          </a:fillRef>
+          <a:effectRef idx="0">
+            <a:schemeClr val="accent1"/>
+          </a:effectRef>
+          <a:fontRef idx="minor">
+            <a:schemeClr val="lt1"/>
+          </a:fontRef>
+        </p:style>
+        <p:txBody>
+          <a:bodyPr rtlCol="0" anchor="ctr"/>
+          <a:lstStyle/>
+          <a:p>
+            <a:pPr algn="ctr"/>
+            <a:r>
+              <a:rPr lang="en-US" altLang="zh-CN" dirty="0"/>
+              <a:t>Compile RTL Code</a:t>
+            </a:r>
+            <a:endParaRPr lang="zh-CN" altLang="en-US" dirty="0"/>
+          </a:p>
+        </p:txBody>
+      </p:sp>
+      <p:sp>
+        <p:nvSpPr>
+          <p:cNvPr id="8" name="矩形: 圆角 7">
+            <a:extLst>
+              <a:ext uri="{FF2B5EF4-FFF2-40B4-BE49-F238E27FC236}">
+                <a16:creationId xmlns:a16="http://schemas.microsoft.com/office/drawing/2014/main" id="{EF62362C-6247-4CF7-AC3D-927295A785CA}"/>
+              </a:ext>
+            </a:extLst>
+          </p:cNvPr>
+          <p:cNvSpPr/>
+          <p:nvPr/>
+        </p:nvSpPr>
+        <p:spPr>
+          <a:xfrm>
+            <a:off x="4725798" y="2640435"/>
+            <a:ext cx="2533476" cy="1577130"/>
+          </a:xfrm>
+          <a:prstGeom prst="roundRect">
+            <a:avLst/>
+          </a:prstGeom>
+        </p:spPr>
+        <p:style>
+          <a:lnRef idx="2">
+            <a:schemeClr val="accent1">
+              <a:shade val="50000"/>
+            </a:schemeClr>
+          </a:lnRef>
+          <a:fillRef idx="1">
+            <a:schemeClr val="accent1"/>
+          </a:fillRef>
+          <a:effectRef idx="0">
+            <a:schemeClr val="accent1"/>
+          </a:effectRef>
+          <a:fontRef idx="minor">
+            <a:schemeClr val="lt1"/>
+          </a:fontRef>
+        </p:style>
+        <p:txBody>
+          <a:bodyPr rtlCol="0" anchor="ctr"/>
+          <a:lstStyle/>
+          <a:p>
+            <a:pPr algn="ctr"/>
+            <a:r>
+              <a:rPr lang="en-US" altLang="zh-CN" dirty="0"/>
+              <a:t>Run Simulation</a:t>
+            </a:r>
+            <a:endParaRPr lang="zh-CN" altLang="en-US" dirty="0"/>
+          </a:p>
+        </p:txBody>
+      </p:sp>
+      <p:sp>
+        <p:nvSpPr>
+          <p:cNvPr id="9" name="矩形: 圆角 8">
+            <a:extLst>
+              <a:ext uri="{FF2B5EF4-FFF2-40B4-BE49-F238E27FC236}">
+                <a16:creationId xmlns:a16="http://schemas.microsoft.com/office/drawing/2014/main" id="{C4DF5B1D-3894-4439-8844-42DD61F59CFC}"/>
+              </a:ext>
+            </a:extLst>
+          </p:cNvPr>
+          <p:cNvSpPr/>
+          <p:nvPr/>
+        </p:nvSpPr>
+        <p:spPr>
+          <a:xfrm>
+            <a:off x="7730455" y="2640435"/>
+            <a:ext cx="2533476" cy="1577130"/>
+          </a:xfrm>
+          <a:prstGeom prst="roundRect">
+            <a:avLst/>
+          </a:prstGeom>
+        </p:spPr>
+        <p:style>
+          <a:lnRef idx="2">
+            <a:schemeClr val="accent1">
+              <a:shade val="50000"/>
+            </a:schemeClr>
+          </a:lnRef>
+          <a:fillRef idx="1">
+            <a:schemeClr val="accent1"/>
+          </a:fillRef>
+          <a:effectRef idx="0">
+            <a:schemeClr val="accent1"/>
+          </a:effectRef>
+          <a:fontRef idx="minor">
+            <a:schemeClr val="lt1"/>
+          </a:fontRef>
+        </p:style>
+        <p:txBody>
+          <a:bodyPr rtlCol="0" anchor="ctr"/>
+          <a:lstStyle/>
+          <a:p>
+            <a:pPr algn="ctr"/>
+            <a:r>
+              <a:rPr lang="en-US" altLang="zh-CN" dirty="0"/>
+              <a:t>Check Result</a:t>
+            </a:r>
+            <a:endParaRPr lang="zh-CN" altLang="en-US" dirty="0"/>
+          </a:p>
+        </p:txBody>
+      </p:sp>
+      <p:sp>
+        <p:nvSpPr>
+          <p:cNvPr id="10" name="箭头: 右 9">
+            <a:extLst>
+              <a:ext uri="{FF2B5EF4-FFF2-40B4-BE49-F238E27FC236}">
+                <a16:creationId xmlns:a16="http://schemas.microsoft.com/office/drawing/2014/main" id="{B4614C9E-7DEB-43A4-805B-3D567F49B305}"/>
+              </a:ext>
+            </a:extLst>
+          </p:cNvPr>
+          <p:cNvSpPr/>
+          <p:nvPr/>
+        </p:nvSpPr>
+        <p:spPr>
+          <a:xfrm>
+            <a:off x="4254617" y="3186684"/>
+            <a:ext cx="471181" cy="484632"/>
+          </a:xfrm>
+          <a:prstGeom prst="rightArrow">
+            <a:avLst/>
+          </a:prstGeom>
+        </p:spPr>
+        <p:style>
+          <a:lnRef idx="2">
+            <a:schemeClr val="accent1">
+              <a:shade val="50000"/>
+            </a:schemeClr>
+          </a:lnRef>
+          <a:fillRef idx="1">
+            <a:schemeClr val="accent1"/>
+          </a:fillRef>
+          <a:effectRef idx="0">
+            <a:schemeClr val="accent1"/>
+          </a:effectRef>
+          <a:fontRef idx="minor">
+            <a:schemeClr val="lt1"/>
+          </a:fontRef>
+        </p:style>
+        <p:txBody>
+          <a:bodyPr rtlCol="0" anchor="ctr"/>
+          <a:lstStyle/>
+          <a:p>
+            <a:pPr algn="ctr"/>
+            <a:endParaRPr lang="zh-CN" altLang="en-US"/>
+          </a:p>
+        </p:txBody>
+      </p:sp>
+      <p:sp>
+        <p:nvSpPr>
+          <p:cNvPr id="12" name="箭头: 右 11">
+            <a:extLst>
+              <a:ext uri="{FF2B5EF4-FFF2-40B4-BE49-F238E27FC236}">
+                <a16:creationId xmlns:a16="http://schemas.microsoft.com/office/drawing/2014/main" id="{53B1D6C3-F3EE-4D24-B48B-E6356BF43BAE}"/>
+              </a:ext>
+            </a:extLst>
+          </p:cNvPr>
+          <p:cNvSpPr/>
+          <p:nvPr/>
+        </p:nvSpPr>
+        <p:spPr>
+          <a:xfrm>
+            <a:off x="7259274" y="3186684"/>
+            <a:ext cx="471181" cy="484632"/>
+          </a:xfrm>
+          <a:prstGeom prst="rightArrow">
+            <a:avLst/>
+          </a:prstGeom>
+        </p:spPr>
+        <p:style>
+          <a:lnRef idx="2">
+            <a:schemeClr val="accent1">
+              <a:shade val="50000"/>
+            </a:schemeClr>
+          </a:lnRef>
+          <a:fillRef idx="1">
+            <a:schemeClr val="accent1"/>
+          </a:fillRef>
+          <a:effectRef idx="0">
+            <a:schemeClr val="accent1"/>
+          </a:effectRef>
+          <a:fontRef idx="minor">
+            <a:schemeClr val="lt1"/>
+          </a:fontRef>
+        </p:style>
+        <p:txBody>
+          <a:bodyPr rtlCol="0" anchor="ctr"/>
+          <a:lstStyle/>
+          <a:p>
+            <a:pPr algn="ctr"/>
+            <a:endParaRPr lang="zh-CN" altLang="en-US"/>
+          </a:p>
+        </p:txBody>
+      </p:sp>
+    </p:spTree>
+    <p:extLst>
+      <p:ext uri="{BB962C8B-B14F-4D97-AF65-F5344CB8AC3E}">
+        <p14:creationId xmlns:p14="http://schemas.microsoft.com/office/powerpoint/2010/main" val="1739485611"/>
+      </p:ext>
+    </p:extLst>
+  </p:cSld>
+  <p:clrMapOvr>
+    <a:masterClrMapping/>
+  </p:clrMapOvr>
+</p:sld>
+</file>
+
 <file path=ppt/theme/theme1.xml><?xml version="1.0" encoding="utf-8"?>
 <a:theme xmlns:a="http://schemas.openxmlformats.org/drawingml/2006/main" name="Office 主题​​">
   <a:themeElements>
